--- a/Elizabeth's_work/Project presentation.pptx
+++ b/Elizabeth's_work/Project presentation.pptx
@@ -125,6 +125,35 @@
 </p:presentation>
 </file>
 
+<file path=ppt/changesInfos/changesInfo1.xml><?xml version="1.0" encoding="utf-8"?>
+<pc:chgInfo xmlns:a="http://schemas.openxmlformats.org/drawingml/2006/main" xmlns:r="http://schemas.openxmlformats.org/officeDocument/2006/relationships" xmlns:ac="http://schemas.microsoft.com/office/drawing/2013/main/command" xmlns:pc="http://schemas.microsoft.com/office/powerpoint/2013/main/command">
+  <pc:docChgLst>
+    <pc:chgData name="Elizabeth Viramontes" userId="887a37c84c9e8497" providerId="LiveId" clId="{6A83E839-71C2-4B21-8735-AC71C94155D3}"/>
+    <pc:docChg chg="modSld">
+      <pc:chgData name="Elizabeth Viramontes" userId="887a37c84c9e8497" providerId="LiveId" clId="{6A83E839-71C2-4B21-8735-AC71C94155D3}" dt="2024-06-06T22:55:10.332" v="3" actId="1076"/>
+      <pc:docMkLst>
+        <pc:docMk/>
+      </pc:docMkLst>
+      <pc:sldChg chg="modSp mod">
+        <pc:chgData name="Elizabeth Viramontes" userId="887a37c84c9e8497" providerId="LiveId" clId="{6A83E839-71C2-4B21-8735-AC71C94155D3}" dt="2024-06-06T22:55:10.332" v="3" actId="1076"/>
+        <pc:sldMkLst>
+          <pc:docMk/>
+          <pc:sldMk cId="1658164610" sldId="283"/>
+        </pc:sldMkLst>
+        <pc:picChg chg="mod">
+          <ac:chgData name="Elizabeth Viramontes" userId="887a37c84c9e8497" providerId="LiveId" clId="{6A83E839-71C2-4B21-8735-AC71C94155D3}" dt="2024-06-06T22:55:10.332" v="3" actId="1076"/>
+          <ac:picMkLst>
+            <pc:docMk/>
+            <pc:sldMk cId="1658164610" sldId="283"/>
+            <ac:picMk id="19" creationId="{565F2470-585D-DF63-6D3F-37CE711E0CB1}"/>
+          </ac:picMkLst>
+        </pc:picChg>
+      </pc:sldChg>
+    </pc:docChg>
+  </pc:docChgLst>
+</pc:chgInfo>
+</file>
+
 <file path=ppt/handoutMasters/handoutMaster1.xml><?xml version="1.0" encoding="utf-8"?>
 <p:handoutMaster xmlns:a="http://schemas.openxmlformats.org/drawingml/2006/main" xmlns:r="http://schemas.openxmlformats.org/officeDocument/2006/relationships" xmlns:p="http://schemas.openxmlformats.org/presentationml/2006/main">
   <p:cSld>
@@ -219,7 +248,7 @@
           <a:p>
             <a:fld id="{B56F32FC-4BD9-442A-A8C6-51598C909FE3}" type="datetimeFigureOut">
               <a:rPr lang="en-US" smtClean="0"/>
-              <a:t>6/5/2024</a:t>
+              <a:t>6/6/2024</a:t>
             </a:fld>
             <a:endParaRPr lang="en-US" dirty="0"/>
           </a:p>
@@ -396,7 +425,7 @@
           <a:p>
             <a:fld id="{056371FA-A98D-41E8-93F4-09945841298A}" type="datetimeFigureOut">
               <a:rPr lang="en-US" smtClean="0"/>
-              <a:t>6/5/2024</a:t>
+              <a:t>6/6/2024</a:t>
             </a:fld>
             <a:endParaRPr lang="en-US" dirty="0"/>
           </a:p>
@@ -6514,7 +6543,7 @@
         </p:blipFill>
         <p:spPr>
           <a:xfrm>
-            <a:off x="720566" y="136526"/>
+            <a:off x="867722" y="136526"/>
             <a:ext cx="10456549" cy="6584948"/>
           </a:xfrm>
           <a:prstGeom prst="rect">
@@ -8186,26 +8215,6 @@
 </file>
 
 <file path=customXml/item1.xml><?xml version="1.0" encoding="utf-8"?>
-<p:properties xmlns:p="http://schemas.microsoft.com/office/2006/metadata/properties" xmlns:xsi="http://www.w3.org/2001/XMLSchema-instance" xmlns:pc="http://schemas.microsoft.com/office/infopath/2007/PartnerControls">
-  <documentManagement>
-    <_ip_UnifiedCompliancePolicyUIAction xmlns="http://schemas.microsoft.com/sharepoint/v3" xsi:nil="true"/>
-    <Image xmlns="71af3243-3dd4-4a8d-8c0d-dd76da1f02a5">
-      <Url xsi:nil="true"/>
-      <Description xsi:nil="true"/>
-    </Image>
-    <Status xmlns="71af3243-3dd4-4a8d-8c0d-dd76da1f02a5">Not started</Status>
-    <Background xmlns="71af3243-3dd4-4a8d-8c0d-dd76da1f02a5">false</Background>
-    <_ip_UnifiedCompliancePolicyProperties xmlns="http://schemas.microsoft.com/sharepoint/v3" xsi:nil="true"/>
-    <ImageTagsTaxHTField xmlns="71af3243-3dd4-4a8d-8c0d-dd76da1f02a5">
-      <Terms xmlns="http://schemas.microsoft.com/office/infopath/2007/PartnerControls"/>
-    </ImageTagsTaxHTField>
-    <TaxCatchAll xmlns="230e9df3-be65-4c73-a93b-d1236ebd677e" xsi:nil="true"/>
-    <MediaServiceKeyPoints xmlns="71af3243-3dd4-4a8d-8c0d-dd76da1f02a5" xsi:nil="true"/>
-  </documentManagement>
-</p:properties>
-</file>
-
-<file path=customXml/item2.xml><?xml version="1.0" encoding="utf-8"?>
 <ct:contentTypeSchema xmlns:ct="http://schemas.microsoft.com/office/2006/metadata/contentType" xmlns:ma="http://schemas.microsoft.com/office/2006/metadata/properties/metaAttributes" ct:_="" ma:_="" ma:contentTypeName="Document" ma:contentTypeID="0x01010079F111ED35F8CC479449609E8A0923A6" ma:contentTypeVersion="28" ma:contentTypeDescription="Create a new document." ma:contentTypeScope="" ma:versionID="60f5a4f2d2b0abadcf532d48ebf9cb71">
   <xsd:schema xmlns:xsd="http://www.w3.org/2001/XMLSchema" xmlns:xs="http://www.w3.org/2001/XMLSchema" xmlns:p="http://schemas.microsoft.com/office/2006/metadata/properties" xmlns:ns1="http://schemas.microsoft.com/sharepoint/v3" xmlns:ns2="71af3243-3dd4-4a8d-8c0d-dd76da1f02a5" xmlns:ns3="16c05727-aa75-4e4a-9b5f-8a80a1165891" xmlns:ns4="230e9df3-be65-4c73-a93b-d1236ebd677e" targetNamespace="http://schemas.microsoft.com/office/2006/metadata/properties" ma:root="true" ma:fieldsID="7dd78129e6a1811f84807ad11c651531" ns1:_="" ns2:_="" ns3:_="" ns4:_="">
     <xsd:import namespace="http://schemas.microsoft.com/sharepoint/v3"/>
@@ -8517,6 +8526,26 @@
 </ct:contentTypeSchema>
 </file>
 
+<file path=customXml/item2.xml><?xml version="1.0" encoding="utf-8"?>
+<p:properties xmlns:p="http://schemas.microsoft.com/office/2006/metadata/properties" xmlns:xsi="http://www.w3.org/2001/XMLSchema-instance" xmlns:pc="http://schemas.microsoft.com/office/infopath/2007/PartnerControls">
+  <documentManagement>
+    <_ip_UnifiedCompliancePolicyUIAction xmlns="http://schemas.microsoft.com/sharepoint/v3" xsi:nil="true"/>
+    <Image xmlns="71af3243-3dd4-4a8d-8c0d-dd76da1f02a5">
+      <Url xsi:nil="true"/>
+      <Description xsi:nil="true"/>
+    </Image>
+    <Status xmlns="71af3243-3dd4-4a8d-8c0d-dd76da1f02a5">Not started</Status>
+    <Background xmlns="71af3243-3dd4-4a8d-8c0d-dd76da1f02a5">false</Background>
+    <_ip_UnifiedCompliancePolicyProperties xmlns="http://schemas.microsoft.com/sharepoint/v3" xsi:nil="true"/>
+    <ImageTagsTaxHTField xmlns="71af3243-3dd4-4a8d-8c0d-dd76da1f02a5">
+      <Terms xmlns="http://schemas.microsoft.com/office/infopath/2007/PartnerControls"/>
+    </ImageTagsTaxHTField>
+    <TaxCatchAll xmlns="230e9df3-be65-4c73-a93b-d1236ebd677e" xsi:nil="true"/>
+    <MediaServiceKeyPoints xmlns="71af3243-3dd4-4a8d-8c0d-dd76da1f02a5" xsi:nil="true"/>
+  </documentManagement>
+</p:properties>
+</file>
+
 <file path=customXml/item3.xml><?xml version="1.0" encoding="utf-8"?>
 <?mso-contentType ?>
 <FormTemplates xmlns="http://schemas.microsoft.com/sharepoint/v3/contenttype/forms">
@@ -8527,18 +8556,6 @@
 </file>
 
 <file path=customXml/itemProps1.xml><?xml version="1.0" encoding="utf-8"?>
-<ds:datastoreItem xmlns:ds="http://schemas.openxmlformats.org/officeDocument/2006/customXml" ds:itemID="{49168DCE-134F-4610-A6AA-88CEBE8D71D2}">
-  <ds:schemaRefs>
-    <ds:schemaRef ds:uri="http://schemas.microsoft.com/office/2006/metadata/properties"/>
-    <ds:schemaRef ds:uri="http://schemas.microsoft.com/office/infopath/2007/PartnerControls"/>
-    <ds:schemaRef ds:uri="http://schemas.microsoft.com/sharepoint/v3"/>
-    <ds:schemaRef ds:uri="71af3243-3dd4-4a8d-8c0d-dd76da1f02a5"/>
-    <ds:schemaRef ds:uri="230e9df3-be65-4c73-a93b-d1236ebd677e"/>
-  </ds:schemaRefs>
-</ds:datastoreItem>
-</file>
-
-<file path=customXml/itemProps2.xml><?xml version="1.0" encoding="utf-8"?>
 <ds:datastoreItem xmlns:ds="http://schemas.openxmlformats.org/officeDocument/2006/customXml" ds:itemID="{5EDE3176-A15D-46A3-BDDB-64A0D7363224}">
   <ds:schemaRefs>
     <ds:schemaRef ds:uri="http://schemas.microsoft.com/office/2006/metadata/contentType"/>
@@ -8559,6 +8576,18 @@
 </ds:datastoreItem>
 </file>
 
+<file path=customXml/itemProps2.xml><?xml version="1.0" encoding="utf-8"?>
+<ds:datastoreItem xmlns:ds="http://schemas.openxmlformats.org/officeDocument/2006/customXml" ds:itemID="{49168DCE-134F-4610-A6AA-88CEBE8D71D2}">
+  <ds:schemaRefs>
+    <ds:schemaRef ds:uri="http://schemas.microsoft.com/office/2006/metadata/properties"/>
+    <ds:schemaRef ds:uri="http://schemas.microsoft.com/office/infopath/2007/PartnerControls"/>
+    <ds:schemaRef ds:uri="http://schemas.microsoft.com/sharepoint/v3"/>
+    <ds:schemaRef ds:uri="71af3243-3dd4-4a8d-8c0d-dd76da1f02a5"/>
+    <ds:schemaRef ds:uri="230e9df3-be65-4c73-a93b-d1236ebd677e"/>
+  </ds:schemaRefs>
+</ds:datastoreItem>
+</file>
+
 <file path=customXml/itemProps3.xml><?xml version="1.0" encoding="utf-8"?>
 <ds:datastoreItem xmlns:ds="http://schemas.openxmlformats.org/officeDocument/2006/customXml" ds:itemID="{CABF691C-888B-4061-8A6F-D5CE84A0254B}">
   <ds:schemaRefs>
